--- a/media/icon-template.pptx
+++ b/media/icon-template.pptx
@@ -106,7 +106,7 @@
   </p:defaultTextStyle>
   <p:extLst>
     <p:ext uri="{EFAFB233-063F-42B5-8137-9DF3F51BA10A}">
-      <p15:sldGuideLst xmlns:p15="http://schemas.microsoft.com/office/powerpoint/2012/main"/>
+      <p15:sldGuideLst xmlns:p15="http://schemas.microsoft.com/office/powerpoint/2012/main" xmlns=""/>
     </p:ext>
   </p:extLst>
 </p:presentation>
@@ -243,7 +243,7 @@
           <a:p>
             <a:fld id="{3C8D21C9-6065-4506-8F9A-70A9BB6917CD}" type="datetimeFigureOut">
               <a:rPr lang="de-DE" smtClean="0"/>
-              <a:t>04.02.2017</a:t>
+              <a:t>09.02.2017</a:t>
             </a:fld>
             <a:endParaRPr lang="de-DE"/>
           </a:p>
@@ -285,7 +285,7 @@
           <a:p>
             <a:fld id="{71D19CC4-DE5F-4A9F-AD84-A568E8512C5E}" type="slidenum">
               <a:rPr lang="de-DE" smtClean="0"/>
-              <a:t>‹Nr.›</a:t>
+              <a:t>‹#›</a:t>
             </a:fld>
             <a:endParaRPr lang="de-DE"/>
           </a:p>
@@ -413,7 +413,7 @@
           <a:p>
             <a:fld id="{3C8D21C9-6065-4506-8F9A-70A9BB6917CD}" type="datetimeFigureOut">
               <a:rPr lang="de-DE" smtClean="0"/>
-              <a:t>04.02.2017</a:t>
+              <a:t>09.02.2017</a:t>
             </a:fld>
             <a:endParaRPr lang="de-DE"/>
           </a:p>
@@ -455,7 +455,7 @@
           <a:p>
             <a:fld id="{71D19CC4-DE5F-4A9F-AD84-A568E8512C5E}" type="slidenum">
               <a:rPr lang="de-DE" smtClean="0"/>
-              <a:t>‹Nr.›</a:t>
+              <a:t>‹#›</a:t>
             </a:fld>
             <a:endParaRPr lang="de-DE"/>
           </a:p>
@@ -593,7 +593,7 @@
           <a:p>
             <a:fld id="{3C8D21C9-6065-4506-8F9A-70A9BB6917CD}" type="datetimeFigureOut">
               <a:rPr lang="de-DE" smtClean="0"/>
-              <a:t>04.02.2017</a:t>
+              <a:t>09.02.2017</a:t>
             </a:fld>
             <a:endParaRPr lang="de-DE"/>
           </a:p>
@@ -635,7 +635,7 @@
           <a:p>
             <a:fld id="{71D19CC4-DE5F-4A9F-AD84-A568E8512C5E}" type="slidenum">
               <a:rPr lang="de-DE" smtClean="0"/>
-              <a:t>‹Nr.›</a:t>
+              <a:t>‹#›</a:t>
             </a:fld>
             <a:endParaRPr lang="de-DE"/>
           </a:p>
@@ -763,7 +763,7 @@
           <a:p>
             <a:fld id="{3C8D21C9-6065-4506-8F9A-70A9BB6917CD}" type="datetimeFigureOut">
               <a:rPr lang="de-DE" smtClean="0"/>
-              <a:t>04.02.2017</a:t>
+              <a:t>09.02.2017</a:t>
             </a:fld>
             <a:endParaRPr lang="de-DE"/>
           </a:p>
@@ -805,7 +805,7 @@
           <a:p>
             <a:fld id="{71D19CC4-DE5F-4A9F-AD84-A568E8512C5E}" type="slidenum">
               <a:rPr lang="de-DE" smtClean="0"/>
-              <a:t>‹Nr.›</a:t>
+              <a:t>‹#›</a:t>
             </a:fld>
             <a:endParaRPr lang="de-DE"/>
           </a:p>
@@ -1007,7 +1007,7 @@
           <a:p>
             <a:fld id="{3C8D21C9-6065-4506-8F9A-70A9BB6917CD}" type="datetimeFigureOut">
               <a:rPr lang="de-DE" smtClean="0"/>
-              <a:t>04.02.2017</a:t>
+              <a:t>09.02.2017</a:t>
             </a:fld>
             <a:endParaRPr lang="de-DE"/>
           </a:p>
@@ -1049,7 +1049,7 @@
           <a:p>
             <a:fld id="{71D19CC4-DE5F-4A9F-AD84-A568E8512C5E}" type="slidenum">
               <a:rPr lang="de-DE" smtClean="0"/>
-              <a:t>‹Nr.›</a:t>
+              <a:t>‹#›</a:t>
             </a:fld>
             <a:endParaRPr lang="de-DE"/>
           </a:p>
@@ -1239,7 +1239,7 @@
           <a:p>
             <a:fld id="{3C8D21C9-6065-4506-8F9A-70A9BB6917CD}" type="datetimeFigureOut">
               <a:rPr lang="de-DE" smtClean="0"/>
-              <a:t>04.02.2017</a:t>
+              <a:t>09.02.2017</a:t>
             </a:fld>
             <a:endParaRPr lang="de-DE"/>
           </a:p>
@@ -1281,7 +1281,7 @@
           <a:p>
             <a:fld id="{71D19CC4-DE5F-4A9F-AD84-A568E8512C5E}" type="slidenum">
               <a:rPr lang="de-DE" smtClean="0"/>
-              <a:t>‹Nr.›</a:t>
+              <a:t>‹#›</a:t>
             </a:fld>
             <a:endParaRPr lang="de-DE"/>
           </a:p>
@@ -1606,7 +1606,7 @@
           <a:p>
             <a:fld id="{3C8D21C9-6065-4506-8F9A-70A9BB6917CD}" type="datetimeFigureOut">
               <a:rPr lang="de-DE" smtClean="0"/>
-              <a:t>04.02.2017</a:t>
+              <a:t>09.02.2017</a:t>
             </a:fld>
             <a:endParaRPr lang="de-DE"/>
           </a:p>
@@ -1648,7 +1648,7 @@
           <a:p>
             <a:fld id="{71D19CC4-DE5F-4A9F-AD84-A568E8512C5E}" type="slidenum">
               <a:rPr lang="de-DE" smtClean="0"/>
-              <a:t>‹Nr.›</a:t>
+              <a:t>‹#›</a:t>
             </a:fld>
             <a:endParaRPr lang="de-DE"/>
           </a:p>
@@ -1724,7 +1724,7 @@
           <a:p>
             <a:fld id="{3C8D21C9-6065-4506-8F9A-70A9BB6917CD}" type="datetimeFigureOut">
               <a:rPr lang="de-DE" smtClean="0"/>
-              <a:t>04.02.2017</a:t>
+              <a:t>09.02.2017</a:t>
             </a:fld>
             <a:endParaRPr lang="de-DE"/>
           </a:p>
@@ -1766,7 +1766,7 @@
           <a:p>
             <a:fld id="{71D19CC4-DE5F-4A9F-AD84-A568E8512C5E}" type="slidenum">
               <a:rPr lang="de-DE" smtClean="0"/>
-              <a:t>‹Nr.›</a:t>
+              <a:t>‹#›</a:t>
             </a:fld>
             <a:endParaRPr lang="de-DE"/>
           </a:p>
@@ -1819,7 +1819,7 @@
           <a:p>
             <a:fld id="{3C8D21C9-6065-4506-8F9A-70A9BB6917CD}" type="datetimeFigureOut">
               <a:rPr lang="de-DE" smtClean="0"/>
-              <a:t>04.02.2017</a:t>
+              <a:t>09.02.2017</a:t>
             </a:fld>
             <a:endParaRPr lang="de-DE"/>
           </a:p>
@@ -1861,7 +1861,7 @@
           <a:p>
             <a:fld id="{71D19CC4-DE5F-4A9F-AD84-A568E8512C5E}" type="slidenum">
               <a:rPr lang="de-DE" smtClean="0"/>
-              <a:t>‹Nr.›</a:t>
+              <a:t>‹#›</a:t>
             </a:fld>
             <a:endParaRPr lang="de-DE"/>
           </a:p>
@@ -2096,7 +2096,7 @@
           <a:p>
             <a:fld id="{3C8D21C9-6065-4506-8F9A-70A9BB6917CD}" type="datetimeFigureOut">
               <a:rPr lang="de-DE" smtClean="0"/>
-              <a:t>04.02.2017</a:t>
+              <a:t>09.02.2017</a:t>
             </a:fld>
             <a:endParaRPr lang="de-DE"/>
           </a:p>
@@ -2138,7 +2138,7 @@
           <a:p>
             <a:fld id="{71D19CC4-DE5F-4A9F-AD84-A568E8512C5E}" type="slidenum">
               <a:rPr lang="de-DE" smtClean="0"/>
-              <a:t>‹Nr.›</a:t>
+              <a:t>‹#›</a:t>
             </a:fld>
             <a:endParaRPr lang="de-DE"/>
           </a:p>
@@ -2353,7 +2353,7 @@
           <a:p>
             <a:fld id="{3C8D21C9-6065-4506-8F9A-70A9BB6917CD}" type="datetimeFigureOut">
               <a:rPr lang="de-DE" smtClean="0"/>
-              <a:t>04.02.2017</a:t>
+              <a:t>09.02.2017</a:t>
             </a:fld>
             <a:endParaRPr lang="de-DE"/>
           </a:p>
@@ -2395,7 +2395,7 @@
           <a:p>
             <a:fld id="{71D19CC4-DE5F-4A9F-AD84-A568E8512C5E}" type="slidenum">
               <a:rPr lang="de-DE" smtClean="0"/>
-              <a:t>‹Nr.›</a:t>
+              <a:t>‹#›</a:t>
             </a:fld>
             <a:endParaRPr lang="de-DE"/>
           </a:p>
@@ -2566,7 +2566,7 @@
           <a:p>
             <a:fld id="{3C8D21C9-6065-4506-8F9A-70A9BB6917CD}" type="datetimeFigureOut">
               <a:rPr lang="de-DE" smtClean="0"/>
-              <a:t>04.02.2017</a:t>
+              <a:t>09.02.2017</a:t>
             </a:fld>
             <a:endParaRPr lang="de-DE"/>
           </a:p>
@@ -2644,7 +2644,7 @@
           <a:p>
             <a:fld id="{71D19CC4-DE5F-4A9F-AD84-A568E8512C5E}" type="slidenum">
               <a:rPr lang="de-DE" smtClean="0"/>
-              <a:t>‹Nr.›</a:t>
+              <a:t>‹#›</a:t>
             </a:fld>
             <a:endParaRPr lang="de-DE"/>
           </a:p>
@@ -4027,7 +4027,7 @@
   <a:extraClrSchemeLst/>
   <a:extLst>
     <a:ext uri="{05A4C25C-085E-4340-85A3-A5531E510DB2}">
-      <thm15:themeFamily xmlns:thm15="http://schemas.microsoft.com/office/thememl/2012/main" name="Office Theme" id="{62F939B6-93AF-4DB8-9C6B-D6C7DFDC589F}" vid="{4A3C46E8-61CC-4603-A589-7422A47A8E4A}"/>
+      <thm15:themeFamily xmlns:thm15="http://schemas.microsoft.com/office/thememl/2012/main" xmlns="" name="Office Theme" id="{62F939B6-93AF-4DB8-9C6B-D6C7DFDC589F}" vid="{4A3C46E8-61CC-4603-A589-7422A47A8E4A}"/>
     </a:ext>
   </a:extLst>
 </a:theme>

--- a/media/icon-template.pptx
+++ b/media/icon-template.pptx
@@ -2979,7 +2979,7 @@
         </p:nvGrpSpPr>
         <p:grpSpPr>
           <a:xfrm>
-            <a:off x="0" y="-1590"/>
+            <a:off x="0" y="0"/>
             <a:ext cx="8999538" cy="9001128"/>
             <a:chOff x="0" y="-1590"/>
             <a:chExt cx="8999538" cy="9001128"/>
@@ -3752,6 +3752,78 @@
           </p:style>
         </p:cxnSp>
       </p:grpSp>
+      <p:sp>
+        <p:nvSpPr>
+          <p:cNvPr id="8" name="Rectangle 7"/>
+          <p:cNvSpPr/>
+          <p:nvPr/>
+        </p:nvSpPr>
+        <p:spPr>
+          <a:xfrm>
+            <a:off x="194469" y="3165175"/>
+            <a:ext cx="8610601" cy="2675548"/>
+          </a:xfrm>
+          <a:prstGeom prst="rect">
+            <a:avLst/>
+          </a:prstGeom>
+        </p:spPr>
+        <p:style>
+          <a:lnRef idx="1">
+            <a:schemeClr val="accent4"/>
+          </a:lnRef>
+          <a:fillRef idx="2">
+            <a:schemeClr val="accent4"/>
+          </a:fillRef>
+          <a:effectRef idx="1">
+            <a:schemeClr val="accent4"/>
+          </a:effectRef>
+          <a:fontRef idx="minor">
+            <a:schemeClr val="dk1"/>
+          </a:fontRef>
+        </p:style>
+        <p:txBody>
+          <a:bodyPr lIns="360000" tIns="180000" rIns="360000" bIns="180000" rtlCol="0" anchor="ctr"/>
+          <a:lstStyle/>
+          <a:p>
+            <a:pPr algn="ctr">
+              <a:lnSpc>
+                <a:spcPct val="150000"/>
+              </a:lnSpc>
+            </a:pPr>
+            <a:r>
+              <a:rPr lang="de-DE" sz="4000" b="1" smtClean="0"/>
+              <a:t>For usage, please see tutorial at:</a:t>
+            </a:r>
+            <a:endParaRPr lang="de-DE" sz="4000" b="1"/>
+          </a:p>
+          <a:p>
+            <a:pPr algn="ctr">
+              <a:lnSpc>
+                <a:spcPct val="150000"/>
+              </a:lnSpc>
+            </a:pPr>
+            <a:r>
+              <a:rPr lang="de-DE" sz="3200">
+                <a:hlinkClick r:id="rId2"/>
+              </a:rPr>
+              <a:t>https</a:t>
+            </a:r>
+            <a:r>
+              <a:rPr lang="de-DE" sz="3200">
+                <a:hlinkClick r:id="rId2"/>
+              </a:rPr>
+              <a:t>://</a:t>
+            </a:r>
+            <a:r>
+              <a:rPr lang="de-DE" sz="3200" smtClean="0">
+                <a:hlinkClick r:id="rId2"/>
+              </a:rPr>
+              <a:t>github.com/scriptPilot/app-framework</a:t>
+            </a:r>
+            <a:endParaRPr lang="de-DE" sz="3200"/>
+          </a:p>
+        </p:txBody>
+      </p:sp>
     </p:spTree>
     <p:extLst>
       <p:ext uri="{BB962C8B-B14F-4D97-AF65-F5344CB8AC3E}">
